--- a/Lectures/10. jQuery, HTML5, Slice and Dice/jQuery.pptx
+++ b/Lectures/10. jQuery, HTML5, Slice and Dice/jQuery.pptx
@@ -298,7 +298,7 @@
             <a:fld id="{3BF7C7B5-275F-4D1F-9AB4-9255447DBC73}" type="datetimeFigureOut">
               <a:rPr lang="en-US"/>
               <a:pPr/>
-              <a:t>7/4/2011</a:t>
+              <a:t>21-Nov-11</a:t>
             </a:fld>
             <a:endParaRPr lang="en-US" dirty="0"/>
           </a:p>
@@ -529,7 +529,7 @@
             <a:fld id="{9B46F231-FB2B-4655-A644-E2477325E686}" type="datetimeFigureOut">
               <a:rPr lang="en-US"/>
               <a:pPr/>
-              <a:t>7/4/2011</a:t>
+              <a:t>21-Nov-11</a:t>
             </a:fld>
             <a:endParaRPr lang="en-US" dirty="0"/>
           </a:p>
@@ -18402,7 +18402,7 @@
           <a:p>
             <a:r>
               <a:rPr lang="en-US" dirty="0" smtClean="0"/>
-              <a:t>Exercises</a:t>
+              <a:t>Homework</a:t>
             </a:r>
             <a:endParaRPr lang="en-US" dirty="0"/>
           </a:p>
@@ -18471,11 +18471,7 @@
             </a:pPr>
             <a:r>
               <a:rPr lang="en-US" sz="2600" dirty="0"/>
-              <a:t>Select </a:t>
-            </a:r>
-            <a:r>
-              <a:rPr lang="en-US" sz="2600" dirty="0"/>
-              <a:t>all of the div elements that have a class of "</a:t>
+              <a:t>Select all of the div elements that have a class of "</a:t>
             </a:r>
             <a:r>
               <a:rPr lang="en-US" sz="2600" dirty="0">
@@ -18492,7 +18488,6 @@
               <a:rPr lang="en-US" sz="2600" dirty="0"/>
               <a:t>".</a:t>
             </a:r>
-            <a:endParaRPr lang="en-US" sz="2600" dirty="0"/>
           </a:p>
           <a:p>
             <a:pPr lvl="1">
@@ -18502,11 +18497,7 @@
             </a:pPr>
             <a:r>
               <a:rPr lang="en-US" sz="2600" dirty="0"/>
-              <a:t>Come </a:t>
-            </a:r>
-            <a:r>
-              <a:rPr lang="en-US" sz="2600" dirty="0"/>
-              <a:t>up with three selectors that you could use to get the third item in the </a:t>
+              <a:t>Come up with three selectors that you could use to get the third item in the </a:t>
             </a:r>
             <a:r>
               <a:rPr lang="en-US" sz="2600" dirty="0">
@@ -18543,13 +18534,8 @@
             </a:r>
             <a:r>
               <a:rPr lang="en-US" sz="2600" dirty="0"/>
-              <a:t>unordered </a:t>
-            </a:r>
-            <a:r>
-              <a:rPr lang="en-US" sz="2600" dirty="0"/>
-              <a:t>list</a:t>
-            </a:r>
-            <a:endParaRPr lang="en-US" sz="2600" dirty="0"/>
+              <a:t>unordered list</a:t>
+            </a:r>
           </a:p>
           <a:p>
             <a:pPr lvl="1">
@@ -18559,15 +18545,7 @@
             </a:pPr>
             <a:r>
               <a:rPr lang="en-US" sz="2600" dirty="0"/>
-              <a:t>Select </a:t>
-            </a:r>
-            <a:r>
-              <a:rPr lang="en-US" sz="2600" dirty="0"/>
-              <a:t>the label for the search input using an attribute </a:t>
-            </a:r>
-            <a:r>
-              <a:rPr lang="en-US" sz="2600" dirty="0"/>
-              <a:t>selector</a:t>
+              <a:t>Select the label for the search input using an attribute selector</a:t>
             </a:r>
           </a:p>
           <a:p>
@@ -18611,13 +18589,8 @@
             </a:pPr>
             <a:r>
               <a:rPr lang="en-US" sz="2600" dirty="0"/>
-              <a:t>Count the image elements that have an alt </a:t>
-            </a:r>
-            <a:r>
-              <a:rPr lang="en-US" sz="2600" dirty="0"/>
-              <a:t>attribute</a:t>
-            </a:r>
-            <a:endParaRPr lang="en-US" sz="2600" dirty="0"/>
+              <a:t>Count the image elements that have an alt attribute</a:t>
+            </a:r>
           </a:p>
           <a:p>
             <a:pPr lvl="1">
@@ -18627,17 +18600,8 @@
             </a:pPr>
             <a:r>
               <a:rPr lang="en-US" sz="2600" dirty="0"/>
-              <a:t>Select </a:t>
-            </a:r>
-            <a:r>
-              <a:rPr lang="en-US" sz="2600" dirty="0"/>
-              <a:t>all of the odd table rows in the table </a:t>
-            </a:r>
-            <a:r>
-              <a:rPr lang="en-US" sz="2600" dirty="0"/>
-              <a:t>body</a:t>
-            </a:r>
-            <a:endParaRPr lang="en-US" sz="2600" dirty="0"/>
+              <a:t>Select all of the odd table rows in the table body</a:t>
+            </a:r>
           </a:p>
         </p:txBody>
       </p:sp>
@@ -18717,7 +18681,7 @@
           <a:p>
             <a:r>
               <a:rPr lang="en-US" dirty="0" smtClean="0"/>
-              <a:t>Exercises (2)</a:t>
+              <a:t>Homework (2)</a:t>
             </a:r>
             <a:endParaRPr lang="en-US" dirty="0"/>
           </a:p>
@@ -18738,10 +18702,12 @@
           <a:bodyPr/>
           <a:lstStyle/>
           <a:p>
-            <a:pPr>
+            <a:pPr marL="514350" indent="-514350">
               <a:lnSpc>
                 <a:spcPct val="100000"/>
               </a:lnSpc>
+              <a:buFont typeface="+mj-lt"/>
+              <a:buAutoNum type="arabicPeriod" startAt="2"/>
             </a:pPr>
             <a:r>
               <a:rPr lang="en-US" sz="2800" dirty="0"/>
@@ -19245,7 +19211,7 @@
           <a:p>
             <a:r>
               <a:rPr lang="en-US" dirty="0" smtClean="0"/>
-              <a:t>Exercises (3)</a:t>
+              <a:t>Homework (3)</a:t>
             </a:r>
             <a:endParaRPr lang="en-US" dirty="0"/>
           </a:p>
@@ -19266,10 +19232,12 @@
           <a:bodyPr/>
           <a:lstStyle/>
           <a:p>
-            <a:pPr>
+            <a:pPr marL="514350" indent="-514350">
               <a:lnSpc>
                 <a:spcPct val="100000"/>
               </a:lnSpc>
+              <a:buFont typeface="+mj-lt"/>
+              <a:buAutoNum type="arabicPeriod" startAt="3"/>
             </a:pPr>
             <a:r>
               <a:rPr lang="en-US" sz="2800" dirty="0"/>
@@ -19460,8 +19428,12 @@
           <a:lstStyle/>
           <a:p>
             <a:r>
+              <a:rPr lang="en-US" smtClean="0"/>
+              <a:t>Homework (4</a:t>
+            </a:r>
+            <a:r>
               <a:rPr lang="en-US" dirty="0" smtClean="0"/>
-              <a:t>Exercises (4)</a:t>
+              <a:t>)</a:t>
             </a:r>
             <a:endParaRPr lang="en-US" dirty="0"/>
           </a:p>
@@ -19487,10 +19459,12 @@
           <a:bodyPr/>
           <a:lstStyle/>
           <a:p>
-            <a:pPr>
+            <a:pPr marL="514350" indent="-514350">
               <a:lnSpc>
                 <a:spcPct val="100000"/>
               </a:lnSpc>
+              <a:buFont typeface="+mj-lt"/>
+              <a:buAutoNum type="arabicPeriod" startAt="4"/>
             </a:pPr>
             <a:r>
               <a:rPr lang="en-US" sz="2800" dirty="0"/>
